--- a/slides/Geog4300_f19_L06-3 Describing spatial data.pptx
+++ b/slides/Geog4300_f19_L06-3 Describing spatial data.pptx
@@ -5,7 +5,7 @@
     <p:sldMasterId id="2147483659" r:id="rId1"/>
   </p:sldMasterIdLst>
   <p:notesMasterIdLst>
-    <p:notesMasterId r:id="rId32"/>
+    <p:notesMasterId r:id="rId30"/>
   </p:notesMasterIdLst>
   <p:sldIdLst>
     <p:sldId id="256" r:id="rId2"/>
@@ -36,8 +36,6 @@
     <p:sldId id="283" r:id="rId27"/>
     <p:sldId id="284" r:id="rId28"/>
     <p:sldId id="285" r:id="rId29"/>
-    <p:sldId id="297" r:id="rId30"/>
-    <p:sldId id="298" r:id="rId31"/>
   </p:sldIdLst>
   <p:sldSz cx="9144000" cy="6858000" type="screen4x3"/>
   <p:notesSz cx="7315200" cy="9601200"/>
@@ -4915,12 +4913,12 @@
 </p:notes>
 </file>
 
-<file path=ppt/notesSlides/notesSlide29.xml><?xml version="1.0" encoding="utf-8"?>
+<file path=ppt/notesSlides/notesSlide3.xml><?xml version="1.0" encoding="utf-8"?>
 <p:notes xmlns:a="http://schemas.openxmlformats.org/drawingml/2006/main" xmlns:r="http://schemas.openxmlformats.org/officeDocument/2006/relationships" xmlns:p="http://schemas.openxmlformats.org/presentationml/2006/main" showMasterSp="0" showMasterPhAnim="0">
   <p:cSld>
     <p:spTree>
       <p:nvGrpSpPr>
-        <p:cNvPr id="1" name="Shape 372"/>
+        <p:cNvPr id="1" name="Shape 107"/>
         <p:cNvGrpSpPr/>
         <p:nvPr/>
       </p:nvGrpSpPr>
@@ -4934,7 +4932,7 @@
       </p:grpSpPr>
       <p:sp>
         <p:nvSpPr>
-          <p:cNvPr id="373" name="Shape 373"/>
+          <p:cNvPr id="108" name="Shape 108"/>
           <p:cNvSpPr>
             <a:spLocks noGrp="1" noRot="1" noChangeAspect="1"/>
           </p:cNvSpPr>
@@ -4985,195 +4983,6 @@
       </p:sp>
       <p:sp>
         <p:nvSpPr>
-          <p:cNvPr id="374" name="Shape 374"/>
-          <p:cNvSpPr txBox="1">
-            <a:spLocks noGrp="1"/>
-          </p:cNvSpPr>
-          <p:nvPr>
-            <p:ph type="body" idx="1"/>
-          </p:nvPr>
-        </p:nvSpPr>
-        <p:spPr>
-          <a:xfrm>
-            <a:off x="731520" y="4560569"/>
-            <a:ext cx="5852159" cy="4320539"/>
-          </a:xfrm>
-          <a:prstGeom prst="rect">
-            <a:avLst/>
-          </a:prstGeom>
-          <a:noFill/>
-          <a:ln>
-            <a:noFill/>
-          </a:ln>
-        </p:spPr>
-        <p:txBody>
-          <a:bodyPr lIns="96650" tIns="48325" rIns="96650" bIns="48325" anchor="t" anchorCtr="0">
-            <a:noAutofit/>
-          </a:bodyPr>
-          <a:lstStyle/>
-          <a:p>
-            <a:pPr marL="0" marR="0" lvl="0" indent="0" algn="l" rtl="0">
-              <a:spcBef>
-                <a:spcPts val="0"/>
-              </a:spcBef>
-              <a:buSzPct val="25000"/>
-              <a:buNone/>
-            </a:pPr>
-            <a:endParaRPr sz="1200" b="0" i="0" u="none" strike="noStrike" cap="none">
-              <a:solidFill>
-                <a:schemeClr val="dk1"/>
-              </a:solidFill>
-              <a:latin typeface="Calibri"/>
-              <a:ea typeface="Calibri"/>
-              <a:cs typeface="Calibri"/>
-              <a:sym typeface="Calibri"/>
-            </a:endParaRPr>
-          </a:p>
-        </p:txBody>
-      </p:sp>
-      <p:sp>
-        <p:nvSpPr>
-          <p:cNvPr id="375" name="Shape 375"/>
-          <p:cNvSpPr txBox="1">
-            <a:spLocks noGrp="1"/>
-          </p:cNvSpPr>
-          <p:nvPr>
-            <p:ph type="sldNum" idx="12"/>
-          </p:nvPr>
-        </p:nvSpPr>
-        <p:spPr>
-          <a:xfrm>
-            <a:off x="4143587" y="9119474"/>
-            <a:ext cx="3169920" cy="480059"/>
-          </a:xfrm>
-          <a:prstGeom prst="rect">
-            <a:avLst/>
-          </a:prstGeom>
-          <a:noFill/>
-          <a:ln>
-            <a:noFill/>
-          </a:ln>
-        </p:spPr>
-        <p:txBody>
-          <a:bodyPr lIns="96650" tIns="48325" rIns="96650" bIns="48325" anchor="b" anchorCtr="0">
-            <a:noAutofit/>
-          </a:bodyPr>
-          <a:lstStyle/>
-          <a:p>
-            <a:pPr marL="0" marR="0" lvl="0" indent="0" algn="r" rtl="0">
-              <a:spcBef>
-                <a:spcPts val="0"/>
-              </a:spcBef>
-              <a:buSzPct val="25000"/>
-              <a:buNone/>
-            </a:pPr>
-            <a:fld id="{00000000-1234-1234-1234-123412341234}" type="slidenum">
-              <a:rPr lang="en-US" sz="1300">
-                <a:solidFill>
-                  <a:schemeClr val="dk1"/>
-                </a:solidFill>
-                <a:latin typeface="Calibri"/>
-                <a:ea typeface="Calibri"/>
-                <a:cs typeface="Calibri"/>
-                <a:sym typeface="Calibri"/>
-              </a:rPr>
-              <a:t>29</a:t>
-            </a:fld>
-            <a:endParaRPr lang="en-US" sz="1300">
-              <a:solidFill>
-                <a:schemeClr val="dk1"/>
-              </a:solidFill>
-              <a:latin typeface="Calibri"/>
-              <a:ea typeface="Calibri"/>
-              <a:cs typeface="Calibri"/>
-              <a:sym typeface="Calibri"/>
-            </a:endParaRPr>
-          </a:p>
-        </p:txBody>
-      </p:sp>
-    </p:spTree>
-    <p:extLst>
-      <p:ext uri="{BB962C8B-B14F-4D97-AF65-F5344CB8AC3E}">
-        <p14:creationId xmlns:p14="http://schemas.microsoft.com/office/powerpoint/2010/main" val="329030926"/>
-      </p:ext>
-    </p:extLst>
-  </p:cSld>
-  <p:clrMapOvr>
-    <a:masterClrMapping/>
-  </p:clrMapOvr>
-</p:notes>
-</file>
-
-<file path=ppt/notesSlides/notesSlide3.xml><?xml version="1.0" encoding="utf-8"?>
-<p:notes xmlns:a="http://schemas.openxmlformats.org/drawingml/2006/main" xmlns:r="http://schemas.openxmlformats.org/officeDocument/2006/relationships" xmlns:p="http://schemas.openxmlformats.org/presentationml/2006/main" showMasterSp="0" showMasterPhAnim="0">
-  <p:cSld>
-    <p:spTree>
-      <p:nvGrpSpPr>
-        <p:cNvPr id="1" name="Shape 107"/>
-        <p:cNvGrpSpPr/>
-        <p:nvPr/>
-      </p:nvGrpSpPr>
-      <p:grpSpPr>
-        <a:xfrm>
-          <a:off x="0" y="0"/>
-          <a:ext cx="0" cy="0"/>
-          <a:chOff x="0" y="0"/>
-          <a:chExt cx="0" cy="0"/>
-        </a:xfrm>
-      </p:grpSpPr>
-      <p:sp>
-        <p:nvSpPr>
-          <p:cNvPr id="108" name="Shape 108"/>
-          <p:cNvSpPr>
-            <a:spLocks noGrp="1" noRot="1" noChangeAspect="1"/>
-          </p:cNvSpPr>
-          <p:nvPr>
-            <p:ph type="sldImg" idx="2"/>
-          </p:nvPr>
-        </p:nvSpPr>
-        <p:spPr>
-          <a:xfrm>
-            <a:off x="1257300" y="720725"/>
-            <a:ext cx="4800600" cy="3600450"/>
-          </a:xfrm>
-          <a:custGeom>
-            <a:avLst/>
-            <a:gdLst/>
-            <a:ahLst/>
-            <a:cxnLst/>
-            <a:rect l="0" t="0" r="0" b="0"/>
-            <a:pathLst>
-              <a:path w="120000" h="120000" extrusionOk="0">
-                <a:moveTo>
-                  <a:pt x="0" y="0"/>
-                </a:moveTo>
-                <a:lnTo>
-                  <a:pt x="120000" y="0"/>
-                </a:lnTo>
-                <a:lnTo>
-                  <a:pt x="120000" y="120000"/>
-                </a:lnTo>
-                <a:lnTo>
-                  <a:pt x="0" y="120000"/>
-                </a:lnTo>
-                <a:close/>
-              </a:path>
-            </a:pathLst>
-          </a:custGeom>
-          <a:noFill/>
-          <a:ln w="12700" cap="flat" cmpd="sng">
-            <a:solidFill>
-              <a:srgbClr val="000000"/>
-            </a:solidFill>
-            <a:prstDash val="solid"/>
-            <a:round/>
-            <a:headEnd type="none" w="med" len="med"/>
-            <a:tailEnd type="none" w="med" len="med"/>
-          </a:ln>
-        </p:spPr>
-      </p:sp>
-      <p:sp>
-        <p:nvSpPr>
           <p:cNvPr id="109" name="Shape 109"/>
           <p:cNvSpPr txBox="1">
             <a:spLocks noGrp="1"/>
@@ -5323,195 +5132,6 @@
         </p:txBody>
       </p:sp>
     </p:spTree>
-  </p:cSld>
-  <p:clrMapOvr>
-    <a:masterClrMapping/>
-  </p:clrMapOvr>
-</p:notes>
-</file>
-
-<file path=ppt/notesSlides/notesSlide30.xml><?xml version="1.0" encoding="utf-8"?>
-<p:notes xmlns:a="http://schemas.openxmlformats.org/drawingml/2006/main" xmlns:r="http://schemas.openxmlformats.org/officeDocument/2006/relationships" xmlns:p="http://schemas.openxmlformats.org/presentationml/2006/main" showMasterSp="0" showMasterPhAnim="0">
-  <p:cSld>
-    <p:spTree>
-      <p:nvGrpSpPr>
-        <p:cNvPr id="1" name="Shape 372"/>
-        <p:cNvGrpSpPr/>
-        <p:nvPr/>
-      </p:nvGrpSpPr>
-      <p:grpSpPr>
-        <a:xfrm>
-          <a:off x="0" y="0"/>
-          <a:ext cx="0" cy="0"/>
-          <a:chOff x="0" y="0"/>
-          <a:chExt cx="0" cy="0"/>
-        </a:xfrm>
-      </p:grpSpPr>
-      <p:sp>
-        <p:nvSpPr>
-          <p:cNvPr id="373" name="Shape 373"/>
-          <p:cNvSpPr>
-            <a:spLocks noGrp="1" noRot="1" noChangeAspect="1"/>
-          </p:cNvSpPr>
-          <p:nvPr>
-            <p:ph type="sldImg" idx="2"/>
-          </p:nvPr>
-        </p:nvSpPr>
-        <p:spPr>
-          <a:xfrm>
-            <a:off x="1257300" y="720725"/>
-            <a:ext cx="4800600" cy="3600450"/>
-          </a:xfrm>
-          <a:custGeom>
-            <a:avLst/>
-            <a:gdLst/>
-            <a:ahLst/>
-            <a:cxnLst/>
-            <a:rect l="0" t="0" r="0" b="0"/>
-            <a:pathLst>
-              <a:path w="120000" h="120000" extrusionOk="0">
-                <a:moveTo>
-                  <a:pt x="0" y="0"/>
-                </a:moveTo>
-                <a:lnTo>
-                  <a:pt x="120000" y="0"/>
-                </a:lnTo>
-                <a:lnTo>
-                  <a:pt x="120000" y="120000"/>
-                </a:lnTo>
-                <a:lnTo>
-                  <a:pt x="0" y="120000"/>
-                </a:lnTo>
-                <a:close/>
-              </a:path>
-            </a:pathLst>
-          </a:custGeom>
-          <a:noFill/>
-          <a:ln w="12700" cap="flat" cmpd="sng">
-            <a:solidFill>
-              <a:srgbClr val="000000"/>
-            </a:solidFill>
-            <a:prstDash val="solid"/>
-            <a:round/>
-            <a:headEnd type="none" w="med" len="med"/>
-            <a:tailEnd type="none" w="med" len="med"/>
-          </a:ln>
-        </p:spPr>
-      </p:sp>
-      <p:sp>
-        <p:nvSpPr>
-          <p:cNvPr id="374" name="Shape 374"/>
-          <p:cNvSpPr txBox="1">
-            <a:spLocks noGrp="1"/>
-          </p:cNvSpPr>
-          <p:nvPr>
-            <p:ph type="body" idx="1"/>
-          </p:nvPr>
-        </p:nvSpPr>
-        <p:spPr>
-          <a:xfrm>
-            <a:off x="731520" y="4560569"/>
-            <a:ext cx="5852159" cy="4320539"/>
-          </a:xfrm>
-          <a:prstGeom prst="rect">
-            <a:avLst/>
-          </a:prstGeom>
-          <a:noFill/>
-          <a:ln>
-            <a:noFill/>
-          </a:ln>
-        </p:spPr>
-        <p:txBody>
-          <a:bodyPr lIns="96650" tIns="48325" rIns="96650" bIns="48325" anchor="t" anchorCtr="0">
-            <a:noAutofit/>
-          </a:bodyPr>
-          <a:lstStyle/>
-          <a:p>
-            <a:pPr marL="0" marR="0" lvl="0" indent="0" algn="l" rtl="0">
-              <a:spcBef>
-                <a:spcPts val="0"/>
-              </a:spcBef>
-              <a:buSzPct val="25000"/>
-              <a:buNone/>
-            </a:pPr>
-            <a:endParaRPr sz="1200" b="0" i="0" u="none" strike="noStrike" cap="none">
-              <a:solidFill>
-                <a:schemeClr val="dk1"/>
-              </a:solidFill>
-              <a:latin typeface="Calibri"/>
-              <a:ea typeface="Calibri"/>
-              <a:cs typeface="Calibri"/>
-              <a:sym typeface="Calibri"/>
-            </a:endParaRPr>
-          </a:p>
-        </p:txBody>
-      </p:sp>
-      <p:sp>
-        <p:nvSpPr>
-          <p:cNvPr id="375" name="Shape 375"/>
-          <p:cNvSpPr txBox="1">
-            <a:spLocks noGrp="1"/>
-          </p:cNvSpPr>
-          <p:nvPr>
-            <p:ph type="sldNum" idx="12"/>
-          </p:nvPr>
-        </p:nvSpPr>
-        <p:spPr>
-          <a:xfrm>
-            <a:off x="4143587" y="9119474"/>
-            <a:ext cx="3169920" cy="480059"/>
-          </a:xfrm>
-          <a:prstGeom prst="rect">
-            <a:avLst/>
-          </a:prstGeom>
-          <a:noFill/>
-          <a:ln>
-            <a:noFill/>
-          </a:ln>
-        </p:spPr>
-        <p:txBody>
-          <a:bodyPr lIns="96650" tIns="48325" rIns="96650" bIns="48325" anchor="b" anchorCtr="0">
-            <a:noAutofit/>
-          </a:bodyPr>
-          <a:lstStyle/>
-          <a:p>
-            <a:pPr marL="0" marR="0" lvl="0" indent="0" algn="r" rtl="0">
-              <a:spcBef>
-                <a:spcPts val="0"/>
-              </a:spcBef>
-              <a:buSzPct val="25000"/>
-              <a:buNone/>
-            </a:pPr>
-            <a:fld id="{00000000-1234-1234-1234-123412341234}" type="slidenum">
-              <a:rPr lang="en-US" sz="1300">
-                <a:solidFill>
-                  <a:schemeClr val="dk1"/>
-                </a:solidFill>
-                <a:latin typeface="Calibri"/>
-                <a:ea typeface="Calibri"/>
-                <a:cs typeface="Calibri"/>
-                <a:sym typeface="Calibri"/>
-              </a:rPr>
-              <a:t>30</a:t>
-            </a:fld>
-            <a:endParaRPr lang="en-US" sz="1300">
-              <a:solidFill>
-                <a:schemeClr val="dk1"/>
-              </a:solidFill>
-              <a:latin typeface="Calibri"/>
-              <a:ea typeface="Calibri"/>
-              <a:cs typeface="Calibri"/>
-              <a:sym typeface="Calibri"/>
-            </a:endParaRPr>
-          </a:p>
-        </p:txBody>
-      </p:sp>
-    </p:spTree>
-    <p:extLst>
-      <p:ext uri="{BB962C8B-B14F-4D97-AF65-F5344CB8AC3E}">
-        <p14:creationId xmlns:p14="http://schemas.microsoft.com/office/powerpoint/2010/main" val="1647700250"/>
-      </p:ext>
-    </p:extLst>
   </p:cSld>
   <p:clrMapOvr>
     <a:masterClrMapping/>
@@ -29059,156 +28679,6 @@
 </p:sld>
 </file>
 
-<file path=ppt/slides/slide29.xml><?xml version="1.0" encoding="utf-8"?>
-<p:sld xmlns:a="http://schemas.openxmlformats.org/drawingml/2006/main" xmlns:r="http://schemas.openxmlformats.org/officeDocument/2006/relationships" xmlns:p="http://schemas.openxmlformats.org/presentationml/2006/main">
-  <p:cSld>
-    <p:spTree>
-      <p:nvGrpSpPr>
-        <p:cNvPr id="1" name="Shape 376"/>
-        <p:cNvGrpSpPr/>
-        <p:nvPr/>
-      </p:nvGrpSpPr>
-      <p:grpSpPr>
-        <a:xfrm>
-          <a:off x="0" y="0"/>
-          <a:ext cx="0" cy="0"/>
-          <a:chOff x="0" y="0"/>
-          <a:chExt cx="0" cy="0"/>
-        </a:xfrm>
-      </p:grpSpPr>
-      <p:sp>
-        <p:nvSpPr>
-          <p:cNvPr id="377" name="Shape 377"/>
-          <p:cNvSpPr txBox="1"/>
-          <p:nvPr/>
-        </p:nvSpPr>
-        <p:spPr>
-          <a:xfrm>
-            <a:off x="533400" y="380998"/>
-            <a:ext cx="8305799" cy="1200329"/>
-          </a:xfrm>
-          <a:prstGeom prst="rect">
-            <a:avLst/>
-          </a:prstGeom>
-          <a:noFill/>
-          <a:ln>
-            <a:noFill/>
-          </a:ln>
-        </p:spPr>
-        <p:txBody>
-          <a:bodyPr lIns="91425" tIns="45700" rIns="91425" bIns="45700" anchor="t" anchorCtr="0">
-            <a:noAutofit/>
-          </a:bodyPr>
-          <a:lstStyle/>
-          <a:p>
-            <a:pPr lvl="0">
-              <a:buSzPct val="25000"/>
-            </a:pPr>
-            <a:r>
-              <a:rPr lang="en-US" sz="3600" b="1" dirty="0">
-                <a:solidFill>
-                  <a:srgbClr val="FFFF66"/>
-                </a:solidFill>
-                <a:latin typeface="Calibri"/>
-                <a:ea typeface="Calibri"/>
-                <a:cs typeface="Calibri"/>
-                <a:sym typeface="Calibri"/>
-              </a:rPr>
-              <a:t>Clustering</a:t>
-            </a:r>
-          </a:p>
-          <a:p>
-            <a:pPr lvl="0">
-              <a:buSzPct val="25000"/>
-            </a:pPr>
-            <a:r>
-              <a:rPr lang="en-US" sz="3600" dirty="0">
-                <a:solidFill>
-                  <a:srgbClr val="FFFF66"/>
-                </a:solidFill>
-                <a:latin typeface="Calibri"/>
-                <a:ea typeface="Calibri"/>
-                <a:cs typeface="Calibri"/>
-                <a:sym typeface="Calibri"/>
-              </a:rPr>
-              <a:t>K-means and HCA can identify clusters based on multiple attributes</a:t>
-            </a:r>
-          </a:p>
-        </p:txBody>
-      </p:sp>
-      <p:pic>
-        <p:nvPicPr>
-          <p:cNvPr id="5" name="Picture 5" descr="C:\Users\jshannon\Dropbox\Jschool\Research\SNAP and SNAP Ed\Data\Stores 2008-2016\StoreChainAnalysis_Feb2017\Maps figures\Clustermap_ua_combined.png">
-            <a:extLst>
-              <a:ext uri="{FF2B5EF4-FFF2-40B4-BE49-F238E27FC236}">
-                <a16:creationId xmlns:a16="http://schemas.microsoft.com/office/drawing/2014/main" id="{FA370633-BF76-44D9-896F-FCA08AE1D9FB}"/>
-              </a:ext>
-            </a:extLst>
-          </p:cNvPr>
-          <p:cNvPicPr>
-            <a:picLocks noChangeAspect="1" noChangeArrowheads="1"/>
-          </p:cNvPicPr>
-          <p:nvPr/>
-        </p:nvPicPr>
-        <p:blipFill>
-          <a:blip r:embed="rId3">
-            <a:extLst>
-              <a:ext uri="{28A0092B-C50C-407E-A947-70E740481C1C}">
-                <a14:useLocalDpi xmlns:a14="http://schemas.microsoft.com/office/drawing/2010/main" val="0"/>
-              </a:ext>
-            </a:extLst>
-          </a:blip>
-          <a:srcRect/>
-          <a:stretch>
-            <a:fillRect/>
-          </a:stretch>
-        </p:blipFill>
-        <p:spPr bwMode="auto">
-          <a:xfrm>
-            <a:off x="75747" y="2337414"/>
-            <a:ext cx="9036476" cy="3938977"/>
-          </a:xfrm>
-          <a:prstGeom prst="rect">
-            <a:avLst/>
-          </a:prstGeom>
-          <a:noFill/>
-          <a:ln>
-            <a:noFill/>
-          </a:ln>
-          <a:extLst>
-            <a:ext uri="{909E8E84-426E-40DD-AFC4-6F175D3DCCD1}">
-              <a14:hiddenFill xmlns:a14="http://schemas.microsoft.com/office/drawing/2010/main">
-                <a:solidFill>
-                  <a:srgbClr val="FFFFFF"/>
-                </a:solidFill>
-              </a14:hiddenFill>
-            </a:ext>
-            <a:ext uri="{91240B29-F687-4F45-9708-019B960494DF}">
-              <a14:hiddenLine xmlns:a14="http://schemas.microsoft.com/office/drawing/2010/main" w="9525">
-                <a:solidFill>
-                  <a:srgbClr val="000000"/>
-                </a:solidFill>
-                <a:miter lim="800000"/>
-                <a:headEnd/>
-                <a:tailEnd/>
-              </a14:hiddenLine>
-            </a:ext>
-          </a:extLst>
-        </p:spPr>
-      </p:pic>
-    </p:spTree>
-    <p:extLst>
-      <p:ext uri="{BB962C8B-B14F-4D97-AF65-F5344CB8AC3E}">
-        <p14:creationId xmlns:p14="http://schemas.microsoft.com/office/powerpoint/2010/main" val="2767556434"/>
-      </p:ext>
-    </p:extLst>
-  </p:cSld>
-  <p:clrMapOvr>
-    <a:masterClrMapping/>
-  </p:clrMapOvr>
-</p:sld>
-</file>
-
 <file path=ppt/slides/slide3.xml><?xml version="1.0" encoding="utf-8"?>
 <p:sld xmlns:a="http://schemas.openxmlformats.org/drawingml/2006/main" xmlns:r="http://schemas.openxmlformats.org/officeDocument/2006/relationships" xmlns:p="http://schemas.openxmlformats.org/presentationml/2006/main">
   <p:cSld>
@@ -29348,126 +28818,6 @@
         </p:spPr>
       </p:pic>
     </p:spTree>
-  </p:cSld>
-  <p:clrMapOvr>
-    <a:masterClrMapping/>
-  </p:clrMapOvr>
-</p:sld>
-</file>
-
-<file path=ppt/slides/slide30.xml><?xml version="1.0" encoding="utf-8"?>
-<p:sld xmlns:a="http://schemas.openxmlformats.org/drawingml/2006/main" xmlns:r="http://schemas.openxmlformats.org/officeDocument/2006/relationships" xmlns:p="http://schemas.openxmlformats.org/presentationml/2006/main">
-  <p:cSld>
-    <p:spTree>
-      <p:nvGrpSpPr>
-        <p:cNvPr id="1" name="Shape 376"/>
-        <p:cNvGrpSpPr/>
-        <p:nvPr/>
-      </p:nvGrpSpPr>
-      <p:grpSpPr>
-        <a:xfrm>
-          <a:off x="0" y="0"/>
-          <a:ext cx="0" cy="0"/>
-          <a:chOff x="0" y="0"/>
-          <a:chExt cx="0" cy="0"/>
-        </a:xfrm>
-      </p:grpSpPr>
-      <p:sp>
-        <p:nvSpPr>
-          <p:cNvPr id="377" name="Shape 377"/>
-          <p:cNvSpPr txBox="1"/>
-          <p:nvPr/>
-        </p:nvSpPr>
-        <p:spPr>
-          <a:xfrm>
-            <a:off x="533400" y="380998"/>
-            <a:ext cx="8305799" cy="1200329"/>
-          </a:xfrm>
-          <a:prstGeom prst="rect">
-            <a:avLst/>
-          </a:prstGeom>
-          <a:noFill/>
-          <a:ln>
-            <a:noFill/>
-          </a:ln>
-        </p:spPr>
-        <p:txBody>
-          <a:bodyPr lIns="91425" tIns="45700" rIns="91425" bIns="45700" anchor="t" anchorCtr="0">
-            <a:noAutofit/>
-          </a:bodyPr>
-          <a:lstStyle/>
-          <a:p>
-            <a:pPr lvl="0">
-              <a:buSzPct val="25000"/>
-            </a:pPr>
-            <a:r>
-              <a:rPr lang="en-US" sz="3600" b="1" dirty="0">
-                <a:solidFill>
-                  <a:srgbClr val="FFFF66"/>
-                </a:solidFill>
-                <a:latin typeface="Calibri"/>
-                <a:ea typeface="Calibri"/>
-                <a:cs typeface="Calibri"/>
-                <a:sym typeface="Calibri"/>
-              </a:rPr>
-              <a:t>Clustering</a:t>
-            </a:r>
-          </a:p>
-          <a:p>
-            <a:pPr lvl="0">
-              <a:buSzPct val="25000"/>
-            </a:pPr>
-            <a:r>
-              <a:rPr lang="en-US" sz="3600" dirty="0">
-                <a:solidFill>
-                  <a:srgbClr val="FFFF66"/>
-                </a:solidFill>
-                <a:latin typeface="Calibri"/>
-                <a:ea typeface="Calibri"/>
-                <a:cs typeface="Calibri"/>
-                <a:sym typeface="Calibri"/>
-              </a:rPr>
-              <a:t>K-means and HCA can identify clusters based on multiple attributes</a:t>
-            </a:r>
-          </a:p>
-        </p:txBody>
-      </p:sp>
-      <p:pic>
-        <p:nvPicPr>
-          <p:cNvPr id="4" name="Picture 3">
-            <a:extLst>
-              <a:ext uri="{FF2B5EF4-FFF2-40B4-BE49-F238E27FC236}">
-                <a16:creationId xmlns:a16="http://schemas.microsoft.com/office/drawing/2014/main" id="{60FEB685-6F24-44DB-837E-6C0B772E4309}"/>
-              </a:ext>
-            </a:extLst>
-          </p:cNvPr>
-          <p:cNvPicPr>
-            <a:picLocks noChangeAspect="1"/>
-          </p:cNvPicPr>
-          <p:nvPr/>
-        </p:nvPicPr>
-        <p:blipFill>
-          <a:blip r:embed="rId3"/>
-          <a:stretch>
-            <a:fillRect/>
-          </a:stretch>
-        </p:blipFill>
-        <p:spPr>
-          <a:xfrm>
-            <a:off x="1717142" y="2282890"/>
-            <a:ext cx="5937515" cy="4241082"/>
-          </a:xfrm>
-          <a:prstGeom prst="rect">
-            <a:avLst/>
-          </a:prstGeom>
-        </p:spPr>
-      </p:pic>
-    </p:spTree>
-    <p:extLst>
-      <p:ext uri="{BB962C8B-B14F-4D97-AF65-F5344CB8AC3E}">
-        <p14:creationId xmlns:p14="http://schemas.microsoft.com/office/powerpoint/2010/main" val="4111000292"/>
-      </p:ext>
-    </p:extLst>
   </p:cSld>
   <p:clrMapOvr>
     <a:masterClrMapping/>
